--- a/1st Semester/MathAnalysis_Day_001.pptx
+++ b/1st Semester/MathAnalysis_Day_001.pptx
@@ -5,7 +5,7 @@
     <p:sldMasterId id="2147483648" r:id="rId1"/>
   </p:sldMasterIdLst>
   <p:notesMasterIdLst>
-    <p:notesMasterId r:id="rId22"/>
+    <p:notesMasterId r:id="rId23"/>
   </p:notesMasterIdLst>
   <p:sldIdLst>
     <p:sldId id="257" r:id="rId2"/>
@@ -25,9 +25,10 @@
     <p:sldId id="270" r:id="rId16"/>
     <p:sldId id="271" r:id="rId17"/>
     <p:sldId id="276" r:id="rId18"/>
-    <p:sldId id="272" r:id="rId19"/>
-    <p:sldId id="274" r:id="rId20"/>
-    <p:sldId id="275" r:id="rId21"/>
+    <p:sldId id="277" r:id="rId19"/>
+    <p:sldId id="272" r:id="rId20"/>
+    <p:sldId id="274" r:id="rId21"/>
+    <p:sldId id="275" r:id="rId22"/>
   </p:sldIdLst>
   <p:sldSz cx="12192000" cy="6858000"/>
   <p:notesSz cx="6858000" cy="9144000"/>
@@ -216,7 +217,7 @@
           <a:p>
             <a:fld id="{FDC74F93-3CDB-254B-A713-DEBB783BCF51}" type="datetimeFigureOut">
               <a:rPr lang="en-US" smtClean="0"/>
-              <a:t>9/12/2017</a:t>
+              <a:t>8/29/2018</a:t>
             </a:fld>
             <a:endParaRPr lang="en-US"/>
           </a:p>
@@ -654,7 +655,7 @@
             <a:fld id="{87DE6118-2437-4B30-8E3C-4D2BE6020583}" type="datetimeFigureOut">
               <a:rPr lang="en-US" dirty="0"/>
               <a:pPr/>
-              <a:t>9/12/2017</a:t>
+              <a:t>8/29/2018</a:t>
             </a:fld>
             <a:endParaRPr lang="en-US" dirty="0"/>
           </a:p>
@@ -980,7 +981,7 @@
           <a:p>
             <a:fld id="{87DE6118-2437-4B30-8E3C-4D2BE6020583}" type="datetimeFigureOut">
               <a:rPr lang="en-US" dirty="0"/>
-              <a:t>9/12/2017</a:t>
+              <a:t>8/29/2018</a:t>
             </a:fld>
             <a:endParaRPr lang="en-US" dirty="0"/>
           </a:p>
@@ -1155,7 +1156,7 @@
           <a:p>
             <a:fld id="{87DE6118-2437-4B30-8E3C-4D2BE6020583}" type="datetimeFigureOut">
               <a:rPr lang="en-US" dirty="0"/>
-              <a:t>9/12/2017</a:t>
+              <a:t>8/29/2018</a:t>
             </a:fld>
             <a:endParaRPr lang="en-US" dirty="0"/>
           </a:p>
@@ -1320,7 +1321,7 @@
           <a:p>
             <a:fld id="{87DE6118-2437-4B30-8E3C-4D2BE6020583}" type="datetimeFigureOut">
               <a:rPr lang="en-US" dirty="0"/>
-              <a:t>9/12/2017</a:t>
+              <a:t>8/29/2018</a:t>
             </a:fld>
             <a:endParaRPr lang="en-US" dirty="0"/>
           </a:p>
@@ -1593,7 +1594,7 @@
             <a:fld id="{87DE6118-2437-4B30-8E3C-4D2BE6020583}" type="datetimeFigureOut">
               <a:rPr lang="en-US" dirty="0"/>
               <a:pPr/>
-              <a:t>9/12/2017</a:t>
+              <a:t>8/29/2018</a:t>
             </a:fld>
             <a:endParaRPr lang="en-US" dirty="0"/>
           </a:p>
@@ -1983,7 +1984,7 @@
           <a:p>
             <a:fld id="{87DE6118-2437-4B30-8E3C-4D2BE6020583}" type="datetimeFigureOut">
               <a:rPr lang="en-US" dirty="0"/>
-              <a:t>9/12/2017</a:t>
+              <a:t>8/29/2018</a:t>
             </a:fld>
             <a:endParaRPr lang="en-US" dirty="0"/>
           </a:p>
@@ -2455,7 +2456,7 @@
           <a:p>
             <a:fld id="{87DE6118-2437-4B30-8E3C-4D2BE6020583}" type="datetimeFigureOut">
               <a:rPr lang="en-US" dirty="0"/>
-              <a:t>9/12/2017</a:t>
+              <a:t>8/29/2018</a:t>
             </a:fld>
             <a:endParaRPr lang="en-US" dirty="0"/>
           </a:p>
@@ -2568,7 +2569,7 @@
           <a:p>
             <a:fld id="{87DE6118-2437-4B30-8E3C-4D2BE6020583}" type="datetimeFigureOut">
               <a:rPr lang="en-US" dirty="0"/>
-              <a:t>9/12/2017</a:t>
+              <a:t>8/29/2018</a:t>
             </a:fld>
             <a:endParaRPr lang="en-US" dirty="0"/>
           </a:p>
@@ -2658,7 +2659,7 @@
           <a:p>
             <a:fld id="{87DE6118-2437-4B30-8E3C-4D2BE6020583}" type="datetimeFigureOut">
               <a:rPr lang="en-US" dirty="0"/>
-              <a:t>9/12/2017</a:t>
+              <a:t>8/29/2018</a:t>
             </a:fld>
             <a:endParaRPr lang="en-US" dirty="0"/>
           </a:p>
@@ -3000,7 +3001,7 @@
             <a:fld id="{87DE6118-2437-4B30-8E3C-4D2BE6020583}" type="datetimeFigureOut">
               <a:rPr lang="en-US" dirty="0"/>
               <a:pPr/>
-              <a:t>9/12/2017</a:t>
+              <a:t>8/29/2018</a:t>
             </a:fld>
             <a:endParaRPr lang="en-US" dirty="0"/>
           </a:p>
@@ -3385,7 +3386,7 @@
             <a:fld id="{87DE6118-2437-4B30-8E3C-4D2BE6020583}" type="datetimeFigureOut">
               <a:rPr lang="en-US" dirty="0"/>
               <a:pPr/>
-              <a:t>9/12/2017</a:t>
+              <a:t>8/29/2018</a:t>
             </a:fld>
             <a:endParaRPr lang="en-US" dirty="0"/>
           </a:p>
@@ -3660,7 +3661,7 @@
             <a:fld id="{87DE6118-2437-4B30-8E3C-4D2BE6020583}" type="datetimeFigureOut">
               <a:rPr lang="en-US" dirty="0"/>
               <a:pPr/>
-              <a:t>9/12/2017</a:t>
+              <a:t>8/29/2018</a:t>
             </a:fld>
             <a:endParaRPr lang="en-US" dirty="0"/>
           </a:p>
@@ -4381,7 +4382,7 @@
         <p:spPr>
           <a:xfrm>
             <a:off x="786384" y="58847"/>
-            <a:ext cx="11405616" cy="6555641"/>
+            <a:ext cx="11405616" cy="7386638"/>
           </a:xfrm>
           <a:prstGeom prst="rect">
             <a:avLst/>
@@ -4411,28 +4412,7 @@
                 <a:latin typeface="Times New Roman" charset="0"/>
                 <a:ea typeface="Times New Roman" charset="0"/>
               </a:rPr>
-              <a:t>(subject </a:t>
-            </a:r>
-            <a:r>
-              <a:rPr lang="en-US" sz="3000" b="1" i="1" u="sng" smtClean="0">
-                <a:latin typeface="Times New Roman" charset="0"/>
-                <a:ea typeface="Times New Roman" charset="0"/>
-              </a:rPr>
-              <a:t>to </a:t>
-            </a:r>
-            <a:r>
-              <a:rPr lang="en-US" sz="3000" b="1" i="1" u="sng" smtClean="0">
-                <a:latin typeface="Times New Roman" charset="0"/>
-                <a:ea typeface="Times New Roman" charset="0"/>
-              </a:rPr>
-              <a:t>adjustments</a:t>
-            </a:r>
-            <a:r>
-              <a:rPr lang="en-US" sz="3000" b="1" i="1" u="sng" dirty="0" smtClean="0">
-                <a:latin typeface="Times New Roman" charset="0"/>
-                <a:ea typeface="Times New Roman" charset="0"/>
-              </a:rPr>
-              <a:t>)</a:t>
+              <a:t>(subject to adjustments)</a:t>
             </a:r>
             <a:endParaRPr lang="en-US" sz="3000" b="1" u="sng" dirty="0" smtClean="0">
               <a:latin typeface="Times New Roman" charset="0"/>
@@ -4447,11 +4427,18 @@
           </a:p>
           <a:p>
             <a:r>
+              <a:rPr lang="en-US" sz="2400" i="1" dirty="0" smtClean="0">
+                <a:latin typeface="Times New Roman" charset="0"/>
+                <a:ea typeface="Times New Roman" charset="0"/>
+              </a:rPr>
+              <a:t>	Semester </a:t>
+            </a:r>
+            <a:r>
               <a:rPr lang="en-US" sz="2400" i="1" dirty="0">
                 <a:latin typeface="Times New Roman" charset="0"/>
                 <a:ea typeface="Times New Roman" charset="0"/>
               </a:rPr>
-              <a:t>Semester 1 </a:t>
+              <a:t>1 </a:t>
             </a:r>
           </a:p>
           <a:p>
@@ -4613,21 +4600,6 @@
               </a:rPr>
               <a:t> </a:t>
             </a:r>
-          </a:p>
-          <a:p>
-            <a:r>
-              <a:rPr lang="en-US" sz="2400" i="1" dirty="0">
-                <a:latin typeface="Times New Roman" charset="0"/>
-                <a:ea typeface="Times New Roman" charset="0"/>
-              </a:rPr>
-              <a:t>Semester 2 </a:t>
-            </a:r>
-            <a:endParaRPr lang="en-US" sz="2400" i="1" dirty="0" smtClean="0">
-              <a:latin typeface="Times New Roman" charset="0"/>
-              <a:ea typeface="Times New Roman" charset="0"/>
-            </a:endParaRPr>
-          </a:p>
-          <a:p>
             <a:r>
               <a:rPr lang="en-US" sz="2400" i="1" dirty="0">
                 <a:latin typeface="Times New Roman" charset="0"/>
@@ -4771,6 +4743,83 @@
               </a:rPr>
               <a:t>Expanding Beyond Bricklayer</a:t>
             </a:r>
+          </a:p>
+          <a:p>
+            <a:pPr marL="457200" marR="0">
+              <a:spcBef>
+                <a:spcPts val="0"/>
+              </a:spcBef>
+              <a:spcAft>
+                <a:spcPts val="0"/>
+              </a:spcAft>
+            </a:pPr>
+            <a:endParaRPr lang="en-US" sz="2400" i="1" dirty="0">
+              <a:latin typeface="Times New Roman" charset="0"/>
+              <a:ea typeface="Times New Roman" charset="0"/>
+            </a:endParaRPr>
+          </a:p>
+          <a:p>
+            <a:pPr marL="457200" marR="0">
+              <a:spcBef>
+                <a:spcPts val="0"/>
+              </a:spcBef>
+              <a:spcAft>
+                <a:spcPts val="0"/>
+              </a:spcAft>
+            </a:pPr>
+            <a:r>
+              <a:rPr lang="en-US" sz="2400" i="1" dirty="0" smtClean="0">
+                <a:latin typeface="Times New Roman" charset="0"/>
+                <a:ea typeface="Times New Roman" charset="0"/>
+              </a:rPr>
+              <a:t>Semester </a:t>
+            </a:r>
+            <a:r>
+              <a:rPr lang="en-US" sz="2400" i="1" dirty="0">
+                <a:latin typeface="Times New Roman" charset="0"/>
+                <a:ea typeface="Times New Roman" charset="0"/>
+              </a:rPr>
+              <a:t>2 </a:t>
+            </a:r>
+            <a:endParaRPr lang="en-US" sz="2400" i="1" dirty="0" smtClean="0">
+              <a:latin typeface="Times New Roman" charset="0"/>
+              <a:ea typeface="Times New Roman" charset="0"/>
+            </a:endParaRPr>
+          </a:p>
+          <a:p>
+            <a:pPr marL="457200" marR="0">
+              <a:spcBef>
+                <a:spcPts val="0"/>
+              </a:spcBef>
+              <a:spcAft>
+                <a:spcPts val="0"/>
+              </a:spcAft>
+            </a:pPr>
+            <a:r>
+              <a:rPr lang="en-US" sz="2400" i="1" dirty="0" smtClean="0">
+                <a:latin typeface="Times New Roman" charset="0"/>
+                <a:ea typeface="Times New Roman" charset="0"/>
+              </a:rPr>
+              <a:t>TBD</a:t>
+            </a:r>
+            <a:endParaRPr lang="en-US" sz="2400" i="1" dirty="0">
+              <a:latin typeface="Times New Roman" charset="0"/>
+              <a:ea typeface="Times New Roman" charset="0"/>
+            </a:endParaRPr>
+          </a:p>
+          <a:p>
+            <a:pPr marL="457200" marR="0">
+              <a:spcBef>
+                <a:spcPts val="0"/>
+              </a:spcBef>
+              <a:spcAft>
+                <a:spcPts val="0"/>
+              </a:spcAft>
+            </a:pPr>
+            <a:endParaRPr lang="en-US" sz="2400" dirty="0" smtClean="0">
+              <a:latin typeface="Times New Roman" charset="0"/>
+              <a:ea typeface="Times New Roman" charset="0"/>
+            </a:endParaRPr>
           </a:p>
           <a:p>
             <a:pPr marL="457200" marR="0">
@@ -4798,6 +4847,13 @@
   <p:clrMapOvr>
     <a:masterClrMapping/>
   </p:clrMapOvr>
+  <p:timing>
+    <p:tnLst>
+      <p:par>
+        <p:cTn id="1" dur="indefinite" restart="never" nodeType="tmRoot"/>
+      </p:par>
+    </p:tnLst>
+  </p:timing>
 </p:sld>
 </file>
 
@@ -4892,6 +4948,13 @@
   <p:clrMapOvr>
     <a:masterClrMapping/>
   </p:clrMapOvr>
+  <p:timing>
+    <p:tnLst>
+      <p:par>
+        <p:cTn id="1" dur="indefinite" restart="never" nodeType="tmRoot"/>
+      </p:par>
+    </p:tnLst>
+  </p:timing>
 </p:sld>
 </file>
 
@@ -4997,6 +5060,13 @@
   <p:clrMapOvr>
     <a:masterClrMapping/>
   </p:clrMapOvr>
+  <p:timing>
+    <p:tnLst>
+      <p:par>
+        <p:cTn id="1" dur="indefinite" restart="never" nodeType="tmRoot"/>
+      </p:par>
+    </p:tnLst>
+  </p:timing>
 </p:sld>
 </file>
 
@@ -5102,6 +5172,13 @@
   <p:clrMapOvr>
     <a:masterClrMapping/>
   </p:clrMapOvr>
+  <p:timing>
+    <p:tnLst>
+      <p:par>
+        <p:cTn id="1" dur="indefinite" restart="never" nodeType="tmRoot"/>
+      </p:par>
+    </p:tnLst>
+  </p:timing>
 </p:sld>
 </file>
 
@@ -5294,6 +5371,13 @@
   <p:clrMapOvr>
     <a:masterClrMapping/>
   </p:clrMapOvr>
+  <p:timing>
+    <p:tnLst>
+      <p:par>
+        <p:cTn id="1" dur="indefinite" restart="never" nodeType="tmRoot"/>
+      </p:par>
+    </p:tnLst>
+  </p:timing>
 </p:sld>
 </file>
 
@@ -5420,6 +5504,13 @@
   <p:clrMapOvr>
     <a:masterClrMapping/>
   </p:clrMapOvr>
+  <p:timing>
+    <p:tnLst>
+      <p:par>
+        <p:cTn id="1" dur="indefinite" restart="never" nodeType="tmRoot"/>
+      </p:par>
+    </p:tnLst>
+  </p:timing>
 </p:sld>
 </file>
 
@@ -5532,6 +5623,13 @@
   <p:clrMapOvr>
     <a:masterClrMapping/>
   </p:clrMapOvr>
+  <p:timing>
+    <p:tnLst>
+      <p:par>
+        <p:cTn id="1" dur="indefinite" restart="never" nodeType="tmRoot"/>
+      </p:par>
+    </p:tnLst>
+  </p:timing>
 </p:sld>
 </file>
 
@@ -5659,14 +5757,18 @@
           </a:p>
           <a:p>
             <a:r>
-              <a:rPr lang="en-US" sz="3000" dirty="0" smtClean="0">
+              <a:rPr lang="en-US" sz="3000" smtClean="0">
                 <a:hlinkClick r:id="rId5"/>
               </a:rPr>
-              <a:t>www.codecuddy.github.io/bricklayer</a:t>
+              <a:t>codecuddy.github.io/bricklayer</a:t>
+            </a:r>
+            <a:r>
+              <a:rPr lang="en-US" sz="3000" smtClean="0"/>
+              <a:t> </a:t>
             </a:r>
             <a:r>
               <a:rPr lang="en-US" sz="3000" dirty="0" smtClean="0"/>
-              <a:t> (walk through in order)</a:t>
+              <a:t>(walk through in order)</a:t>
             </a:r>
           </a:p>
           <a:p>
@@ -5684,6 +5786,13 @@
   <p:clrMapOvr>
     <a:masterClrMapping/>
   </p:clrMapOvr>
+  <p:timing>
+    <p:tnLst>
+      <p:par>
+        <p:cTn id="1" dur="indefinite" restart="never" nodeType="tmRoot"/>
+      </p:par>
+    </p:tnLst>
+  </p:timing>
 </p:sld>
 </file>
 
@@ -5721,6 +5830,100 @@
           <a:p>
             <a:r>
               <a:rPr lang="en-US" dirty="0" smtClean="0"/>
+              <a:t>Computer Checkout</a:t>
+            </a:r>
+            <a:endParaRPr lang="en-US" dirty="0"/>
+          </a:p>
+        </p:txBody>
+      </p:sp>
+      <p:sp>
+        <p:nvSpPr>
+          <p:cNvPr id="3" name="Content Placeholder 2"/>
+          <p:cNvSpPr>
+            <a:spLocks noGrp="1"/>
+          </p:cNvSpPr>
+          <p:nvPr>
+            <p:ph idx="1"/>
+          </p:nvPr>
+        </p:nvSpPr>
+        <p:spPr/>
+        <p:txBody>
+          <a:bodyPr>
+            <a:normAutofit/>
+          </a:bodyPr>
+          <a:lstStyle/>
+          <a:p>
+            <a:r>
+              <a:rPr lang="en-US" sz="3400" dirty="0" smtClean="0"/>
+              <a:t>Record your computer number somewhere</a:t>
+            </a:r>
+          </a:p>
+          <a:p>
+            <a:endParaRPr lang="en-US" sz="3400" dirty="0"/>
+          </a:p>
+          <a:p>
+            <a:r>
+              <a:rPr lang="en-US" sz="3400" dirty="0" smtClean="0"/>
+              <a:t>Begin Downloads if time allows</a:t>
+            </a:r>
+            <a:endParaRPr lang="en-US" sz="3400" dirty="0"/>
+          </a:p>
+        </p:txBody>
+      </p:sp>
+    </p:spTree>
+    <p:extLst>
+      <p:ext uri="{BB962C8B-B14F-4D97-AF65-F5344CB8AC3E}">
+        <p14:creationId xmlns:p14="http://schemas.microsoft.com/office/powerpoint/2010/main" val="3645958703"/>
+      </p:ext>
+    </p:extLst>
+  </p:cSld>
+  <p:clrMapOvr>
+    <a:masterClrMapping/>
+  </p:clrMapOvr>
+  <p:timing>
+    <p:tnLst>
+      <p:par>
+        <p:cTn id="1" dur="indefinite" restart="never" nodeType="tmRoot"/>
+      </p:par>
+    </p:tnLst>
+  </p:timing>
+</p:sld>
+</file>
+
+<file path=ppt/slides/slide19.xml><?xml version="1.0" encoding="utf-8"?>
+<p:sld xmlns:a="http://schemas.openxmlformats.org/drawingml/2006/main" xmlns:r="http://schemas.openxmlformats.org/officeDocument/2006/relationships" xmlns:p="http://schemas.openxmlformats.org/presentationml/2006/main">
+  <p:cSld>
+    <p:spTree>
+      <p:nvGrpSpPr>
+        <p:cNvPr id="1" name=""/>
+        <p:cNvGrpSpPr/>
+        <p:nvPr/>
+      </p:nvGrpSpPr>
+      <p:grpSpPr>
+        <a:xfrm>
+          <a:off x="0" y="0"/>
+          <a:ext cx="0" cy="0"/>
+          <a:chOff x="0" y="0"/>
+          <a:chExt cx="0" cy="0"/>
+        </a:xfrm>
+      </p:grpSpPr>
+      <p:sp>
+        <p:nvSpPr>
+          <p:cNvPr id="2" name="Title 1"/>
+          <p:cNvSpPr>
+            <a:spLocks noGrp="1"/>
+          </p:cNvSpPr>
+          <p:nvPr>
+            <p:ph type="title"/>
+          </p:nvPr>
+        </p:nvSpPr>
+        <p:spPr/>
+        <p:txBody>
+          <a:bodyPr/>
+          <a:lstStyle/>
+          <a:p>
+            <a:r>
+              <a:rPr lang="en-US" dirty="0" smtClean="0"/>
               <a:t>Bell Work Revisited</a:t>
             </a:r>
             <a:endParaRPr lang="en-US" dirty="0"/>
@@ -5819,142 +6022,13 @@
   <p:clrMapOvr>
     <a:masterClrMapping/>
   </p:clrMapOvr>
-</p:sld>
-</file>
-
-<file path=ppt/slides/slide19.xml><?xml version="1.0" encoding="utf-8"?>
-<p:sld xmlns:a="http://schemas.openxmlformats.org/drawingml/2006/main" xmlns:r="http://schemas.openxmlformats.org/officeDocument/2006/relationships" xmlns:p="http://schemas.openxmlformats.org/presentationml/2006/main">
-  <p:cSld>
-    <p:spTree>
-      <p:nvGrpSpPr>
-        <p:cNvPr id="1" name=""/>
-        <p:cNvGrpSpPr/>
-        <p:nvPr/>
-      </p:nvGrpSpPr>
-      <p:grpSpPr>
-        <a:xfrm>
-          <a:off x="0" y="0"/>
-          <a:ext cx="0" cy="0"/>
-          <a:chOff x="0" y="0"/>
-          <a:chExt cx="0" cy="0"/>
-        </a:xfrm>
-      </p:grpSpPr>
-      <p:sp>
-        <p:nvSpPr>
-          <p:cNvPr id="2" name="Title 1"/>
-          <p:cNvSpPr>
-            <a:spLocks noGrp="1"/>
-          </p:cNvSpPr>
-          <p:nvPr>
-            <p:ph type="title"/>
-          </p:nvPr>
-        </p:nvSpPr>
-        <p:spPr/>
-        <p:txBody>
-          <a:bodyPr/>
-          <a:lstStyle/>
-          <a:p>
-            <a:r>
-              <a:rPr lang="en-US" dirty="0" smtClean="0"/>
-              <a:t>Bell Work Revisited</a:t>
-            </a:r>
-            <a:endParaRPr lang="en-US" dirty="0"/>
-          </a:p>
-        </p:txBody>
-      </p:sp>
-      <p:pic>
-        <p:nvPicPr>
-          <p:cNvPr id="4" name="Content Placeholder 3"/>
-          <p:cNvPicPr>
-            <a:picLocks noGrp="1" noChangeAspect="1"/>
-          </p:cNvPicPr>
-          <p:nvPr>
-            <p:ph idx="1"/>
-          </p:nvPr>
-        </p:nvPicPr>
-        <p:blipFill>
-          <a:blip r:embed="rId2">
-            <a:extLst>
-              <a:ext uri="{28A0092B-C50C-407E-A947-70E740481C1C}">
-                <a14:useLocalDpi xmlns:a14="http://schemas.microsoft.com/office/drawing/2010/main" val="0"/>
-              </a:ext>
-            </a:extLst>
-          </a:blip>
-          <a:stretch>
-            <a:fillRect/>
-          </a:stretch>
-        </p:blipFill>
-        <p:spPr>
-          <a:xfrm>
-            <a:off x="2489200" y="1757934"/>
-            <a:ext cx="7366000" cy="1892300"/>
-          </a:xfrm>
-        </p:spPr>
-      </p:pic>
-      <p:sp>
-        <p:nvSpPr>
-          <p:cNvPr id="5" name="TextBox 4"/>
-          <p:cNvSpPr txBox="1"/>
-          <p:nvPr/>
-        </p:nvSpPr>
-        <p:spPr>
-          <a:xfrm>
-            <a:off x="2489200" y="4169664"/>
-            <a:ext cx="9429633" cy="2308324"/>
-          </a:xfrm>
-          <a:prstGeom prst="rect">
-            <a:avLst/>
-          </a:prstGeom>
-          <a:noFill/>
-        </p:spPr>
-        <p:txBody>
-          <a:bodyPr wrap="none" rtlCol="0">
-            <a:spAutoFit/>
-          </a:bodyPr>
-          <a:lstStyle/>
-          <a:p>
-            <a:r>
-              <a:rPr lang="en-US" sz="2400" dirty="0" smtClean="0"/>
-              <a:t>Use a t-chart if you can’t come up with a way to graph the equation. </a:t>
-            </a:r>
-          </a:p>
-          <a:p>
-            <a:r>
-              <a:rPr lang="en-US" sz="2400" dirty="0" smtClean="0"/>
-              <a:t>What would the variable represent? </a:t>
-            </a:r>
-          </a:p>
-          <a:p>
-            <a:endParaRPr lang="en-US" sz="2400" dirty="0" smtClean="0"/>
-          </a:p>
-          <a:p>
-            <a:endParaRPr lang="en-US" sz="2400" dirty="0"/>
-          </a:p>
-          <a:p>
-            <a:r>
-              <a:rPr lang="en-US" sz="2400" dirty="0" smtClean="0"/>
-              <a:t>Is there a y-intercept? If no, why? If yes, what does it represent? </a:t>
-            </a:r>
-          </a:p>
-          <a:p>
-            <a:r>
-              <a:rPr lang="en-US" sz="2400" dirty="0" smtClean="0"/>
-              <a:t>Is there a slope? If no, why? If yes, is it positive or negative, why is that?</a:t>
-            </a:r>
-            <a:endParaRPr lang="en-US" sz="2400" dirty="0"/>
-          </a:p>
-        </p:txBody>
-      </p:sp>
-    </p:spTree>
-    <p:extLst>
-      <p:ext uri="{BB962C8B-B14F-4D97-AF65-F5344CB8AC3E}">
-        <p14:creationId xmlns:p14="http://schemas.microsoft.com/office/powerpoint/2010/main" val="1345215726"/>
-      </p:ext>
-    </p:extLst>
-  </p:cSld>
-  <p:clrMapOvr>
-    <a:masterClrMapping/>
-  </p:clrMapOvr>
+  <p:timing>
+    <p:tnLst>
+      <p:par>
+        <p:cTn id="1" dur="indefinite" restart="never" nodeType="tmRoot"/>
+      </p:par>
+    </p:tnLst>
+  </p:timing>
 </p:sld>
 </file>
 
@@ -6661,6 +6735,149 @@
           <a:p>
             <a:r>
               <a:rPr lang="en-US" dirty="0" smtClean="0"/>
+              <a:t>Bell Work Revisited</a:t>
+            </a:r>
+            <a:endParaRPr lang="en-US" dirty="0"/>
+          </a:p>
+        </p:txBody>
+      </p:sp>
+      <p:pic>
+        <p:nvPicPr>
+          <p:cNvPr id="4" name="Content Placeholder 3"/>
+          <p:cNvPicPr>
+            <a:picLocks noGrp="1" noChangeAspect="1"/>
+          </p:cNvPicPr>
+          <p:nvPr>
+            <p:ph idx="1"/>
+          </p:nvPr>
+        </p:nvPicPr>
+        <p:blipFill>
+          <a:blip r:embed="rId2">
+            <a:extLst>
+              <a:ext uri="{28A0092B-C50C-407E-A947-70E740481C1C}">
+                <a14:useLocalDpi xmlns:a14="http://schemas.microsoft.com/office/drawing/2010/main" val="0"/>
+              </a:ext>
+            </a:extLst>
+          </a:blip>
+          <a:stretch>
+            <a:fillRect/>
+          </a:stretch>
+        </p:blipFill>
+        <p:spPr>
+          <a:xfrm>
+            <a:off x="2489200" y="1757934"/>
+            <a:ext cx="7366000" cy="1892300"/>
+          </a:xfrm>
+        </p:spPr>
+      </p:pic>
+      <p:sp>
+        <p:nvSpPr>
+          <p:cNvPr id="5" name="TextBox 4"/>
+          <p:cNvSpPr txBox="1"/>
+          <p:nvPr/>
+        </p:nvSpPr>
+        <p:spPr>
+          <a:xfrm>
+            <a:off x="2489200" y="4169664"/>
+            <a:ext cx="9429633" cy="2308324"/>
+          </a:xfrm>
+          <a:prstGeom prst="rect">
+            <a:avLst/>
+          </a:prstGeom>
+          <a:noFill/>
+        </p:spPr>
+        <p:txBody>
+          <a:bodyPr wrap="none" rtlCol="0">
+            <a:spAutoFit/>
+          </a:bodyPr>
+          <a:lstStyle/>
+          <a:p>
+            <a:r>
+              <a:rPr lang="en-US" sz="2400" dirty="0" smtClean="0"/>
+              <a:t>Use a t-chart if you can’t come up with a way to graph the equation. </a:t>
+            </a:r>
+          </a:p>
+          <a:p>
+            <a:r>
+              <a:rPr lang="en-US" sz="2400" dirty="0" smtClean="0"/>
+              <a:t>What would the variable represent? </a:t>
+            </a:r>
+          </a:p>
+          <a:p>
+            <a:endParaRPr lang="en-US" sz="2400" dirty="0" smtClean="0"/>
+          </a:p>
+          <a:p>
+            <a:endParaRPr lang="en-US" sz="2400" dirty="0"/>
+          </a:p>
+          <a:p>
+            <a:r>
+              <a:rPr lang="en-US" sz="2400" dirty="0" smtClean="0"/>
+              <a:t>Is there a y-intercept? If no, why? If yes, what does it represent? </a:t>
+            </a:r>
+          </a:p>
+          <a:p>
+            <a:r>
+              <a:rPr lang="en-US" sz="2400" dirty="0" smtClean="0"/>
+              <a:t>Is there a slope? If no, why? If yes, is it positive or negative, why is that?</a:t>
+            </a:r>
+            <a:endParaRPr lang="en-US" sz="2400" dirty="0"/>
+          </a:p>
+        </p:txBody>
+      </p:sp>
+    </p:spTree>
+    <p:extLst>
+      <p:ext uri="{BB962C8B-B14F-4D97-AF65-F5344CB8AC3E}">
+        <p14:creationId xmlns:p14="http://schemas.microsoft.com/office/powerpoint/2010/main" val="1345215726"/>
+      </p:ext>
+    </p:extLst>
+  </p:cSld>
+  <p:clrMapOvr>
+    <a:masterClrMapping/>
+  </p:clrMapOvr>
+  <p:timing>
+    <p:tnLst>
+      <p:par>
+        <p:cTn id="1" dur="indefinite" restart="never" nodeType="tmRoot"/>
+      </p:par>
+    </p:tnLst>
+  </p:timing>
+</p:sld>
+</file>
+
+<file path=ppt/slides/slide21.xml><?xml version="1.0" encoding="utf-8"?>
+<p:sld xmlns:a="http://schemas.openxmlformats.org/drawingml/2006/main" xmlns:r="http://schemas.openxmlformats.org/officeDocument/2006/relationships" xmlns:p="http://schemas.openxmlformats.org/presentationml/2006/main">
+  <p:cSld>
+    <p:spTree>
+      <p:nvGrpSpPr>
+        <p:cNvPr id="1" name=""/>
+        <p:cNvGrpSpPr/>
+        <p:nvPr/>
+      </p:nvGrpSpPr>
+      <p:grpSpPr>
+        <a:xfrm>
+          <a:off x="0" y="0"/>
+          <a:ext cx="0" cy="0"/>
+          <a:chOff x="0" y="0"/>
+          <a:chExt cx="0" cy="0"/>
+        </a:xfrm>
+      </p:grpSpPr>
+      <p:sp>
+        <p:nvSpPr>
+          <p:cNvPr id="2" name="Title 1"/>
+          <p:cNvSpPr>
+            <a:spLocks noGrp="1"/>
+          </p:cNvSpPr>
+          <p:nvPr>
+            <p:ph type="title"/>
+          </p:nvPr>
+        </p:nvSpPr>
+        <p:spPr/>
+        <p:txBody>
+          <a:bodyPr/>
+          <a:lstStyle/>
+          <a:p>
+            <a:r>
+              <a:rPr lang="en-US" dirty="0" smtClean="0"/>
               <a:t>Exit Slip</a:t>
             </a:r>
             <a:endParaRPr lang="en-US" dirty="0"/>
@@ -7080,6 +7297,13 @@
   <p:clrMapOvr>
     <a:masterClrMapping/>
   </p:clrMapOvr>
+  <p:timing>
+    <p:tnLst>
+      <p:par>
+        <p:cTn id="1" dur="indefinite" restart="never" nodeType="tmRoot"/>
+      </p:par>
+    </p:tnLst>
+  </p:timing>
 </p:sld>
 </file>
 
@@ -7155,17 +7379,25 @@
           <a:p>
             <a:r>
               <a:rPr lang="en-US" sz="3000" dirty="0" smtClean="0"/>
-              <a:t>Bell Work (mixed review)</a:t>
+              <a:t>Bell Work (catch up, questions)</a:t>
             </a:r>
           </a:p>
           <a:p>
             <a:r>
               <a:rPr lang="en-US" sz="3000" dirty="0" smtClean="0"/>
-              <a:t>Daily Stand-Ups (goals for the day, what we accomplished since last meeting)</a:t>
-            </a:r>
-          </a:p>
-          <a:p>
-            <a:endParaRPr lang="en-US" sz="3000" dirty="0" smtClean="0"/>
+              <a:t>Daily Stand-Ups (goals for the day, what we accomplished since last meeting, meet as groups, quick writes, info to project manager)</a:t>
+            </a:r>
+            <a:br>
+              <a:rPr lang="en-US" sz="3000" dirty="0" smtClean="0"/>
+            </a:br>
+            <a:r>
+              <a:rPr lang="en-US" sz="3000" dirty="0" smtClean="0"/>
+              <a:t>	</a:t>
+            </a:r>
+            <a:r>
+              <a:rPr lang="en-US" sz="3000" i="1" dirty="0" smtClean="0"/>
+              <a:t>- What did I do yesterday, what will I do today, needs? </a:t>
+            </a:r>
           </a:p>
           <a:p>
             <a:r>
@@ -7176,7 +7408,7 @@
           <a:p>
             <a:r>
               <a:rPr lang="en-US" sz="3000" dirty="0" smtClean="0"/>
-              <a:t>Daily Wind-Down</a:t>
+              <a:t>Daily Wind-Down (reflection, quick writes, to do)</a:t>
             </a:r>
           </a:p>
           <a:p>
@@ -7201,6 +7433,13 @@
   <p:clrMapOvr>
     <a:masterClrMapping/>
   </p:clrMapOvr>
+  <p:timing>
+    <p:tnLst>
+      <p:par>
+        <p:cTn id="1" dur="indefinite" restart="never" nodeType="tmRoot"/>
+      </p:par>
+    </p:tnLst>
+  </p:timing>
 </p:sld>
 </file>
 
@@ -8210,6 +8449,13 @@
   <p:clrMapOvr>
     <a:masterClrMapping/>
   </p:clrMapOvr>
+  <p:timing>
+    <p:tnLst>
+      <p:par>
+        <p:cTn id="1" dur="indefinite" restart="never" nodeType="tmRoot"/>
+      </p:par>
+    </p:tnLst>
+  </p:timing>
 </p:sld>
 </file>
 
@@ -8383,6 +8629,13 @@
   <p:clrMapOvr>
     <a:masterClrMapping/>
   </p:clrMapOvr>
+  <p:timing>
+    <p:tnLst>
+      <p:par>
+        <p:cTn id="1" dur="indefinite" restart="never" nodeType="tmRoot"/>
+      </p:par>
+    </p:tnLst>
+  </p:timing>
 </p:sld>
 </file>
 
